--- a/DOODLES_and_NOTES/FLOW__DIAGRAM__for_TAP_v10.pptx
+++ b/DOODLES_and_NOTES/FLOW__DIAGRAM__for_TAP_v10.pptx
@@ -5,18 +5,23 @@
     <p:sldMasterId id="2147483648" r:id="rId1"/>
   </p:sldMasterIdLst>
   <p:notesMasterIdLst>
-    <p:notesMasterId r:id="rId8"/>
+    <p:notesMasterId r:id="rId13"/>
   </p:notesMasterIdLst>
   <p:handoutMasterIdLst>
-    <p:handoutMasterId r:id="rId9"/>
+    <p:handoutMasterId r:id="rId14"/>
   </p:handoutMasterIdLst>
   <p:sldIdLst>
     <p:sldId id="256" r:id="rId2"/>
-    <p:sldId id="284" r:id="rId3"/>
-    <p:sldId id="285" r:id="rId4"/>
-    <p:sldId id="282" r:id="rId5"/>
-    <p:sldId id="286" r:id="rId6"/>
-    <p:sldId id="283" r:id="rId7"/>
+    <p:sldId id="287" r:id="rId3"/>
+    <p:sldId id="288" r:id="rId4"/>
+    <p:sldId id="289" r:id="rId5"/>
+    <p:sldId id="284" r:id="rId6"/>
+    <p:sldId id="290" r:id="rId7"/>
+    <p:sldId id="285" r:id="rId8"/>
+    <p:sldId id="291" r:id="rId9"/>
+    <p:sldId id="282" r:id="rId10"/>
+    <p:sldId id="286" r:id="rId11"/>
+    <p:sldId id="283" r:id="rId12"/>
   </p:sldIdLst>
   <p:sldSz cx="12801600" cy="8229600"/>
   <p:notesSz cx="6858000" cy="9144000"/>
@@ -4107,6 +4112,291 @@
 </p:sld>
 </file>
 
+<file path=ppt/slides/slide10.xml><?xml version="1.0" encoding="utf-8"?>
+<p:sld xmlns:a="http://schemas.openxmlformats.org/drawingml/2006/main" xmlns:r="http://schemas.openxmlformats.org/officeDocument/2006/relationships" xmlns:p="http://schemas.openxmlformats.org/presentationml/2006/main">
+  <p:cSld>
+    <p:spTree>
+      <p:nvGrpSpPr>
+        <p:cNvPr id="1" name=""/>
+        <p:cNvGrpSpPr/>
+        <p:nvPr/>
+      </p:nvGrpSpPr>
+      <p:grpSpPr>
+        <a:xfrm>
+          <a:off x="0" y="0"/>
+          <a:ext cx="0" cy="0"/>
+          <a:chOff x="0" y="0"/>
+          <a:chExt cx="0" cy="0"/>
+        </a:xfrm>
+      </p:grpSpPr>
+      <p:sp>
+        <p:nvSpPr>
+          <p:cNvPr id="2" name="Title 1">
+            <a:extLst>
+              <a:ext uri="{FF2B5EF4-FFF2-40B4-BE49-F238E27FC236}">
+                <a16:creationId xmlns:a16="http://schemas.microsoft.com/office/drawing/2014/main" id="{994054FE-6506-96B4-BE86-73FD7AF1898E}"/>
+              </a:ext>
+            </a:extLst>
+          </p:cNvPr>
+          <p:cNvSpPr>
+            <a:spLocks noGrp="1"/>
+          </p:cNvSpPr>
+          <p:nvPr>
+            <p:ph type="title"/>
+          </p:nvPr>
+        </p:nvSpPr>
+        <p:spPr/>
+        <p:txBody>
+          <a:bodyPr>
+            <a:normAutofit fontScale="90000"/>
+          </a:bodyPr>
+          <a:lstStyle/>
+          <a:p>
+            <a:endParaRPr lang="en-US"/>
+          </a:p>
+        </p:txBody>
+      </p:sp>
+      <p:sp>
+        <p:nvSpPr>
+          <p:cNvPr id="3" name="Content Placeholder 2">
+            <a:extLst>
+              <a:ext uri="{FF2B5EF4-FFF2-40B4-BE49-F238E27FC236}">
+                <a16:creationId xmlns:a16="http://schemas.microsoft.com/office/drawing/2014/main" id="{BE7B5511-3852-2B25-023D-4C9290F67D58}"/>
+              </a:ext>
+            </a:extLst>
+          </p:cNvPr>
+          <p:cNvSpPr>
+            <a:spLocks noGrp="1"/>
+          </p:cNvSpPr>
+          <p:nvPr>
+            <p:ph idx="1"/>
+          </p:nvPr>
+        </p:nvSpPr>
+        <p:spPr/>
+        <p:txBody>
+          <a:bodyPr/>
+          <a:lstStyle/>
+          <a:p>
+            <a:endParaRPr lang="en-US"/>
+          </a:p>
+        </p:txBody>
+      </p:sp>
+      <p:sp>
+        <p:nvSpPr>
+          <p:cNvPr id="4" name="Footer Placeholder 3">
+            <a:extLst>
+              <a:ext uri="{FF2B5EF4-FFF2-40B4-BE49-F238E27FC236}">
+                <a16:creationId xmlns:a16="http://schemas.microsoft.com/office/drawing/2014/main" id="{9B37D305-6282-939D-11D7-C5834E937D74}"/>
+              </a:ext>
+            </a:extLst>
+          </p:cNvPr>
+          <p:cNvSpPr>
+            <a:spLocks noGrp="1"/>
+          </p:cNvSpPr>
+          <p:nvPr>
+            <p:ph type="ftr" sz="quarter" idx="11"/>
+          </p:nvPr>
+        </p:nvSpPr>
+        <p:spPr/>
+        <p:txBody>
+          <a:bodyPr/>
+          <a:lstStyle/>
+          <a:p>
+            <a:r>
+              <a:rPr lang="en-US"/>
+              <a:t>Copyright 2023 Thomas B. Kinsman</a:t>
+            </a:r>
+            <a:endParaRPr lang="en-US" dirty="0"/>
+          </a:p>
+        </p:txBody>
+      </p:sp>
+      <p:sp>
+        <p:nvSpPr>
+          <p:cNvPr id="5" name="Slide Number Placeholder 4">
+            <a:extLst>
+              <a:ext uri="{FF2B5EF4-FFF2-40B4-BE49-F238E27FC236}">
+                <a16:creationId xmlns:a16="http://schemas.microsoft.com/office/drawing/2014/main" id="{6E78F57E-F8DF-FE91-DA66-BDE3546A1E0E}"/>
+              </a:ext>
+            </a:extLst>
+          </p:cNvPr>
+          <p:cNvSpPr>
+            <a:spLocks noGrp="1"/>
+          </p:cNvSpPr>
+          <p:nvPr>
+            <p:ph type="sldNum" sz="quarter" idx="12"/>
+          </p:nvPr>
+        </p:nvSpPr>
+        <p:spPr/>
+        <p:txBody>
+          <a:bodyPr/>
+          <a:lstStyle/>
+          <a:p>
+            <a:fld id="{3917AFD4-4D5B-3349-87D8-45B09FE3E7A5}" type="slidenum">
+              <a:rPr lang="en-US" smtClean="0"/>
+              <a:t>10</a:t>
+            </a:fld>
+            <a:endParaRPr lang="en-US"/>
+          </a:p>
+        </p:txBody>
+      </p:sp>
+    </p:spTree>
+    <p:extLst>
+      <p:ext uri="{BB962C8B-B14F-4D97-AF65-F5344CB8AC3E}">
+        <p14:creationId xmlns:p14="http://schemas.microsoft.com/office/powerpoint/2010/main" val="1554403297"/>
+      </p:ext>
+    </p:extLst>
+  </p:cSld>
+  <p:clrMapOvr>
+    <a:masterClrMapping/>
+  </p:clrMapOvr>
+</p:sld>
+</file>
+
+<file path=ppt/slides/slide11.xml><?xml version="1.0" encoding="utf-8"?>
+<p:sld xmlns:a="http://schemas.openxmlformats.org/drawingml/2006/main" xmlns:r="http://schemas.openxmlformats.org/officeDocument/2006/relationships" xmlns:p="http://schemas.openxmlformats.org/presentationml/2006/main">
+  <p:cSld>
+    <p:spTree>
+      <p:nvGrpSpPr>
+        <p:cNvPr id="1" name=""/>
+        <p:cNvGrpSpPr/>
+        <p:nvPr/>
+      </p:nvGrpSpPr>
+      <p:grpSpPr>
+        <a:xfrm>
+          <a:off x="0" y="0"/>
+          <a:ext cx="0" cy="0"/>
+          <a:chOff x="0" y="0"/>
+          <a:chExt cx="0" cy="0"/>
+        </a:xfrm>
+      </p:grpSpPr>
+      <p:sp>
+        <p:nvSpPr>
+          <p:cNvPr id="2" name="Title 1">
+            <a:extLst>
+              <a:ext uri="{FF2B5EF4-FFF2-40B4-BE49-F238E27FC236}">
+                <a16:creationId xmlns:a16="http://schemas.microsoft.com/office/drawing/2014/main" id="{810C7023-9591-1E36-4E69-046A803849D2}"/>
+              </a:ext>
+            </a:extLst>
+          </p:cNvPr>
+          <p:cNvSpPr>
+            <a:spLocks noGrp="1"/>
+          </p:cNvSpPr>
+          <p:nvPr>
+            <p:ph type="title"/>
+          </p:nvPr>
+        </p:nvSpPr>
+        <p:spPr>
+          <a:xfrm>
+            <a:off x="640080" y="329565"/>
+            <a:ext cx="11521440" cy="765588"/>
+          </a:xfrm>
+        </p:spPr>
+        <p:txBody>
+          <a:bodyPr>
+            <a:normAutofit fontScale="90000"/>
+          </a:bodyPr>
+          <a:lstStyle/>
+          <a:p>
+            <a:endParaRPr lang="en-US" dirty="0"/>
+          </a:p>
+        </p:txBody>
+      </p:sp>
+      <p:sp>
+        <p:nvSpPr>
+          <p:cNvPr id="3" name="Content Placeholder 2">
+            <a:extLst>
+              <a:ext uri="{FF2B5EF4-FFF2-40B4-BE49-F238E27FC236}">
+                <a16:creationId xmlns:a16="http://schemas.microsoft.com/office/drawing/2014/main" id="{EA726EC3-CA33-0464-44A2-A53ADF6E9BA3}"/>
+              </a:ext>
+            </a:extLst>
+          </p:cNvPr>
+          <p:cNvSpPr>
+            <a:spLocks noGrp="1"/>
+          </p:cNvSpPr>
+          <p:nvPr>
+            <p:ph idx="1"/>
+          </p:nvPr>
+        </p:nvSpPr>
+        <p:spPr/>
+        <p:txBody>
+          <a:bodyPr/>
+          <a:lstStyle/>
+          <a:p>
+            <a:endParaRPr lang="en-US" dirty="0"/>
+          </a:p>
+        </p:txBody>
+      </p:sp>
+      <p:sp>
+        <p:nvSpPr>
+          <p:cNvPr id="4" name="Footer Placeholder 3">
+            <a:extLst>
+              <a:ext uri="{FF2B5EF4-FFF2-40B4-BE49-F238E27FC236}">
+                <a16:creationId xmlns:a16="http://schemas.microsoft.com/office/drawing/2014/main" id="{3C5A0B2A-1CDA-9007-93BC-C6112068AD03}"/>
+              </a:ext>
+            </a:extLst>
+          </p:cNvPr>
+          <p:cNvSpPr>
+            <a:spLocks noGrp="1"/>
+          </p:cNvSpPr>
+          <p:nvPr>
+            <p:ph type="ftr" sz="quarter" idx="11"/>
+          </p:nvPr>
+        </p:nvSpPr>
+        <p:spPr/>
+        <p:txBody>
+          <a:bodyPr/>
+          <a:lstStyle/>
+          <a:p>
+            <a:r>
+              <a:rPr lang="en-US"/>
+              <a:t>Copyright 2023 Thomas B. Kinsman</a:t>
+            </a:r>
+            <a:endParaRPr lang="en-US" dirty="0"/>
+          </a:p>
+        </p:txBody>
+      </p:sp>
+      <p:sp>
+        <p:nvSpPr>
+          <p:cNvPr id="5" name="Slide Number Placeholder 4">
+            <a:extLst>
+              <a:ext uri="{FF2B5EF4-FFF2-40B4-BE49-F238E27FC236}">
+                <a16:creationId xmlns:a16="http://schemas.microsoft.com/office/drawing/2014/main" id="{0FF56C22-61C4-6238-EF9F-D4E2AFC662B7}"/>
+              </a:ext>
+            </a:extLst>
+          </p:cNvPr>
+          <p:cNvSpPr>
+            <a:spLocks noGrp="1"/>
+          </p:cNvSpPr>
+          <p:nvPr>
+            <p:ph type="sldNum" sz="quarter" idx="12"/>
+          </p:nvPr>
+        </p:nvSpPr>
+        <p:spPr/>
+        <p:txBody>
+          <a:bodyPr/>
+          <a:lstStyle/>
+          <a:p>
+            <a:fld id="{3917AFD4-4D5B-3349-87D8-45B09FE3E7A5}" type="slidenum">
+              <a:rPr lang="en-US" smtClean="0"/>
+              <a:t>11</a:t>
+            </a:fld>
+            <a:endParaRPr lang="en-US"/>
+          </a:p>
+        </p:txBody>
+      </p:sp>
+    </p:spTree>
+    <p:extLst>
+      <p:ext uri="{BB962C8B-B14F-4D97-AF65-F5344CB8AC3E}">
+        <p14:creationId xmlns:p14="http://schemas.microsoft.com/office/powerpoint/2010/main" val="2503620405"/>
+      </p:ext>
+    </p:extLst>
+  </p:cSld>
+  <p:clrMapOvr>
+    <a:masterClrMapping/>
+  </p:clrMapOvr>
+</p:sld>
+</file>
+
 <file path=ppt/slides/slide2.xml><?xml version="1.0" encoding="utf-8"?>
 <p:sld xmlns:a="http://schemas.openxmlformats.org/drawingml/2006/main" xmlns:r="http://schemas.openxmlformats.org/officeDocument/2006/relationships" xmlns:p="http://schemas.openxmlformats.org/presentationml/2006/main">
   <p:cSld>
@@ -4129,6 +4419,671 @@
           <p:cNvPr id="2" name="Title 1">
             <a:extLst>
               <a:ext uri="{FF2B5EF4-FFF2-40B4-BE49-F238E27FC236}">
+                <a16:creationId xmlns:a16="http://schemas.microsoft.com/office/drawing/2014/main" id="{F69EF3CA-11DE-0D5B-C8C8-65D985FEF728}"/>
+              </a:ext>
+            </a:extLst>
+          </p:cNvPr>
+          <p:cNvSpPr>
+            <a:spLocks noGrp="1"/>
+          </p:cNvSpPr>
+          <p:nvPr>
+            <p:ph type="title"/>
+          </p:nvPr>
+        </p:nvSpPr>
+        <p:spPr/>
+        <p:txBody>
+          <a:bodyPr>
+            <a:normAutofit fontScale="90000"/>
+          </a:bodyPr>
+          <a:lstStyle/>
+          <a:p>
+            <a:r>
+              <a:rPr lang="en-US" dirty="0"/>
+              <a:t>Purpose</a:t>
+            </a:r>
+          </a:p>
+        </p:txBody>
+      </p:sp>
+      <p:sp>
+        <p:nvSpPr>
+          <p:cNvPr id="3" name="Content Placeholder 2">
+            <a:extLst>
+              <a:ext uri="{FF2B5EF4-FFF2-40B4-BE49-F238E27FC236}">
+                <a16:creationId xmlns:a16="http://schemas.microsoft.com/office/drawing/2014/main" id="{4395253B-E440-9C05-AB50-3876372623E3}"/>
+              </a:ext>
+            </a:extLst>
+          </p:cNvPr>
+          <p:cNvSpPr>
+            <a:spLocks noGrp="1"/>
+          </p:cNvSpPr>
+          <p:nvPr>
+            <p:ph idx="1"/>
+          </p:nvPr>
+        </p:nvSpPr>
+        <p:spPr/>
+        <p:txBody>
+          <a:bodyPr/>
+          <a:lstStyle/>
+          <a:p>
+            <a:pPr marL="742950" indent="-742950">
+              <a:buFont typeface="+mj-lt"/>
+              <a:buAutoNum type="arabicPeriod"/>
+            </a:pPr>
+            <a:r>
+              <a:rPr lang="en-US" dirty="0"/>
+              <a:t>To help prepare captionists and interpreters for a particular course.</a:t>
+            </a:r>
+          </a:p>
+          <a:p>
+            <a:pPr marL="742950" indent="-742950">
+              <a:buFont typeface="+mj-lt"/>
+              <a:buAutoNum type="arabicPeriod"/>
+            </a:pPr>
+            <a:r>
+              <a:rPr lang="en-US" dirty="0"/>
+              <a:t>To train captionists and interpreters:</a:t>
+            </a:r>
+          </a:p>
+          <a:p>
+            <a:pPr marL="1492250" lvl="1" indent="-730250"/>
+            <a:r>
+              <a:rPr lang="en-US" dirty="0"/>
+              <a:t>Defining abbreviations</a:t>
+            </a:r>
+          </a:p>
+          <a:p>
+            <a:pPr marL="1492250" lvl="1" indent="-730250"/>
+            <a:r>
+              <a:rPr lang="en-US" dirty="0"/>
+              <a:t>Pre-defining ASL signs for difficult words</a:t>
+            </a:r>
+          </a:p>
+          <a:p>
+            <a:pPr marL="742950" indent="-742950">
+              <a:buFont typeface="+mj-lt"/>
+              <a:buAutoNum type="arabicPeriod" startAt="3"/>
+            </a:pPr>
+            <a:r>
+              <a:rPr lang="en-US" dirty="0"/>
+              <a:t>To warn staff of difficult or unusual words </a:t>
+            </a:r>
+            <a:br>
+              <a:rPr lang="en-US" dirty="0"/>
+            </a:br>
+            <a:r>
+              <a:rPr lang="en-US" dirty="0"/>
+              <a:t>which occur in a particular lecture or course</a:t>
+            </a:r>
+          </a:p>
+        </p:txBody>
+      </p:sp>
+      <p:sp>
+        <p:nvSpPr>
+          <p:cNvPr id="4" name="Footer Placeholder 3">
+            <a:extLst>
+              <a:ext uri="{FF2B5EF4-FFF2-40B4-BE49-F238E27FC236}">
+                <a16:creationId xmlns:a16="http://schemas.microsoft.com/office/drawing/2014/main" id="{11B76266-EBC9-6850-F9E2-074ED7A7B534}"/>
+              </a:ext>
+            </a:extLst>
+          </p:cNvPr>
+          <p:cNvSpPr>
+            <a:spLocks noGrp="1"/>
+          </p:cNvSpPr>
+          <p:nvPr>
+            <p:ph type="ftr" sz="quarter" idx="11"/>
+          </p:nvPr>
+        </p:nvSpPr>
+        <p:spPr/>
+        <p:txBody>
+          <a:bodyPr/>
+          <a:lstStyle/>
+          <a:p>
+            <a:r>
+              <a:rPr lang="en-US"/>
+              <a:t>Copyright 2023 Thomas B. Kinsman</a:t>
+            </a:r>
+            <a:endParaRPr lang="en-US" dirty="0"/>
+          </a:p>
+        </p:txBody>
+      </p:sp>
+      <p:sp>
+        <p:nvSpPr>
+          <p:cNvPr id="5" name="Slide Number Placeholder 4">
+            <a:extLst>
+              <a:ext uri="{FF2B5EF4-FFF2-40B4-BE49-F238E27FC236}">
+                <a16:creationId xmlns:a16="http://schemas.microsoft.com/office/drawing/2014/main" id="{AB87F718-1639-7370-FA54-594532000BBC}"/>
+              </a:ext>
+            </a:extLst>
+          </p:cNvPr>
+          <p:cNvSpPr>
+            <a:spLocks noGrp="1"/>
+          </p:cNvSpPr>
+          <p:nvPr>
+            <p:ph type="sldNum" sz="quarter" idx="12"/>
+          </p:nvPr>
+        </p:nvSpPr>
+        <p:spPr/>
+        <p:txBody>
+          <a:bodyPr/>
+          <a:lstStyle/>
+          <a:p>
+            <a:fld id="{3917AFD4-4D5B-3349-87D8-45B09FE3E7A5}" type="slidenum">
+              <a:rPr lang="en-US" smtClean="0"/>
+              <a:t>2</a:t>
+            </a:fld>
+            <a:endParaRPr lang="en-US"/>
+          </a:p>
+        </p:txBody>
+      </p:sp>
+    </p:spTree>
+    <p:extLst>
+      <p:ext uri="{BB962C8B-B14F-4D97-AF65-F5344CB8AC3E}">
+        <p14:creationId xmlns:p14="http://schemas.microsoft.com/office/powerpoint/2010/main" val="3410144854"/>
+      </p:ext>
+    </p:extLst>
+  </p:cSld>
+  <p:clrMapOvr>
+    <a:masterClrMapping/>
+  </p:clrMapOvr>
+</p:sld>
+</file>
+
+<file path=ppt/slides/slide3.xml><?xml version="1.0" encoding="utf-8"?>
+<p:sld xmlns:a="http://schemas.openxmlformats.org/drawingml/2006/main" xmlns:r="http://schemas.openxmlformats.org/officeDocument/2006/relationships" xmlns:p="http://schemas.openxmlformats.org/presentationml/2006/main">
+  <p:cSld>
+    <p:spTree>
+      <p:nvGrpSpPr>
+        <p:cNvPr id="1" name=""/>
+        <p:cNvGrpSpPr/>
+        <p:nvPr/>
+      </p:nvGrpSpPr>
+      <p:grpSpPr>
+        <a:xfrm>
+          <a:off x="0" y="0"/>
+          <a:ext cx="0" cy="0"/>
+          <a:chOff x="0" y="0"/>
+          <a:chExt cx="0" cy="0"/>
+        </a:xfrm>
+      </p:grpSpPr>
+      <p:sp>
+        <p:nvSpPr>
+          <p:cNvPr id="2" name="Title 1">
+            <a:extLst>
+              <a:ext uri="{FF2B5EF4-FFF2-40B4-BE49-F238E27FC236}">
+                <a16:creationId xmlns:a16="http://schemas.microsoft.com/office/drawing/2014/main" id="{F69EF3CA-11DE-0D5B-C8C8-65D985FEF728}"/>
+              </a:ext>
+            </a:extLst>
+          </p:cNvPr>
+          <p:cNvSpPr>
+            <a:spLocks noGrp="1"/>
+          </p:cNvSpPr>
+          <p:nvPr>
+            <p:ph type="title"/>
+          </p:nvPr>
+        </p:nvSpPr>
+        <p:spPr/>
+        <p:txBody>
+          <a:bodyPr>
+            <a:normAutofit fontScale="90000"/>
+          </a:bodyPr>
+          <a:lstStyle/>
+          <a:p>
+            <a:r>
+              <a:rPr lang="en-US" dirty="0"/>
+              <a:t>Data Resources</a:t>
+            </a:r>
+          </a:p>
+        </p:txBody>
+      </p:sp>
+      <p:sp>
+        <p:nvSpPr>
+          <p:cNvPr id="3" name="Content Placeholder 2">
+            <a:extLst>
+              <a:ext uri="{FF2B5EF4-FFF2-40B4-BE49-F238E27FC236}">
+                <a16:creationId xmlns:a16="http://schemas.microsoft.com/office/drawing/2014/main" id="{4395253B-E440-9C05-AB50-3876372623E3}"/>
+              </a:ext>
+            </a:extLst>
+          </p:cNvPr>
+          <p:cNvSpPr>
+            <a:spLocks noGrp="1"/>
+          </p:cNvSpPr>
+          <p:nvPr>
+            <p:ph idx="1"/>
+          </p:nvPr>
+        </p:nvSpPr>
+        <p:spPr/>
+        <p:txBody>
+          <a:bodyPr/>
+          <a:lstStyle/>
+          <a:p>
+            <a:pPr marL="742950" indent="-742950">
+              <a:buFont typeface="+mj-lt"/>
+              <a:buAutoNum type="arabicPeriod"/>
+            </a:pPr>
+            <a:r>
+              <a:rPr lang="en-US" dirty="0"/>
+              <a:t>Past reference transcripts for other courses</a:t>
+            </a:r>
+            <a:br>
+              <a:rPr lang="en-US" dirty="0"/>
+            </a:br>
+            <a:endParaRPr lang="en-US" dirty="0"/>
+          </a:p>
+          <a:p>
+            <a:pPr marL="742950" indent="-742950">
+              <a:buFont typeface="+mj-lt"/>
+              <a:buAutoNum type="arabicPeriod"/>
+            </a:pPr>
+            <a:r>
+              <a:rPr lang="en-US" dirty="0"/>
+              <a:t>For the course of interest:</a:t>
+            </a:r>
+          </a:p>
+          <a:p>
+            <a:pPr marL="1438275" lvl="1" indent="-687388">
+              <a:buFont typeface="+mj-lt"/>
+              <a:buAutoNum type="alphaUcPeriod"/>
+            </a:pPr>
+            <a:r>
+              <a:rPr lang="en-US" dirty="0"/>
+              <a:t>Previous transcripts for a lecture</a:t>
+            </a:r>
+          </a:p>
+          <a:p>
+            <a:pPr marL="1438275" lvl="1" indent="-687388">
+              <a:buFont typeface="+mj-lt"/>
+              <a:buAutoNum type="alphaUcPeriod"/>
+            </a:pPr>
+            <a:r>
+              <a:rPr lang="en-US" dirty="0"/>
+              <a:t>Planned transcript of a speech</a:t>
+            </a:r>
+          </a:p>
+          <a:p>
+            <a:pPr marL="1438275" lvl="1" indent="-687388">
+              <a:buFont typeface="+mj-lt"/>
+              <a:buAutoNum type="alphaUcPeriod"/>
+            </a:pPr>
+            <a:r>
+              <a:rPr lang="en-US" dirty="0"/>
+              <a:t>Planned PowerPoint of Presentation</a:t>
+            </a:r>
+          </a:p>
+          <a:p>
+            <a:pPr marL="1438275" lvl="1" indent="-687388">
+              <a:buFont typeface="+mj-lt"/>
+              <a:buAutoNum type="alphaUcPeriod"/>
+            </a:pPr>
+            <a:r>
+              <a:rPr lang="en-US" dirty="0"/>
+              <a:t>Planned PDF of Presentation</a:t>
+            </a:r>
+          </a:p>
+        </p:txBody>
+      </p:sp>
+      <p:sp>
+        <p:nvSpPr>
+          <p:cNvPr id="4" name="Footer Placeholder 3">
+            <a:extLst>
+              <a:ext uri="{FF2B5EF4-FFF2-40B4-BE49-F238E27FC236}">
+                <a16:creationId xmlns:a16="http://schemas.microsoft.com/office/drawing/2014/main" id="{11B76266-EBC9-6850-F9E2-074ED7A7B534}"/>
+              </a:ext>
+            </a:extLst>
+          </p:cNvPr>
+          <p:cNvSpPr>
+            <a:spLocks noGrp="1"/>
+          </p:cNvSpPr>
+          <p:nvPr>
+            <p:ph type="ftr" sz="quarter" idx="11"/>
+          </p:nvPr>
+        </p:nvSpPr>
+        <p:spPr/>
+        <p:txBody>
+          <a:bodyPr/>
+          <a:lstStyle/>
+          <a:p>
+            <a:r>
+              <a:rPr lang="en-US"/>
+              <a:t>Copyright 2023 Thomas B. Kinsman</a:t>
+            </a:r>
+            <a:endParaRPr lang="en-US" dirty="0"/>
+          </a:p>
+        </p:txBody>
+      </p:sp>
+      <p:sp>
+        <p:nvSpPr>
+          <p:cNvPr id="5" name="Slide Number Placeholder 4">
+            <a:extLst>
+              <a:ext uri="{FF2B5EF4-FFF2-40B4-BE49-F238E27FC236}">
+                <a16:creationId xmlns:a16="http://schemas.microsoft.com/office/drawing/2014/main" id="{AB87F718-1639-7370-FA54-594532000BBC}"/>
+              </a:ext>
+            </a:extLst>
+          </p:cNvPr>
+          <p:cNvSpPr>
+            <a:spLocks noGrp="1"/>
+          </p:cNvSpPr>
+          <p:nvPr>
+            <p:ph type="sldNum" sz="quarter" idx="12"/>
+          </p:nvPr>
+        </p:nvSpPr>
+        <p:spPr/>
+        <p:txBody>
+          <a:bodyPr/>
+          <a:lstStyle/>
+          <a:p>
+            <a:fld id="{3917AFD4-4D5B-3349-87D8-45B09FE3E7A5}" type="slidenum">
+              <a:rPr lang="en-US" smtClean="0"/>
+              <a:t>3</a:t>
+            </a:fld>
+            <a:endParaRPr lang="en-US"/>
+          </a:p>
+        </p:txBody>
+      </p:sp>
+    </p:spTree>
+    <p:extLst>
+      <p:ext uri="{BB962C8B-B14F-4D97-AF65-F5344CB8AC3E}">
+        <p14:creationId xmlns:p14="http://schemas.microsoft.com/office/powerpoint/2010/main" val="677747443"/>
+      </p:ext>
+    </p:extLst>
+  </p:cSld>
+  <p:clrMapOvr>
+    <a:masterClrMapping/>
+  </p:clrMapOvr>
+</p:sld>
+</file>
+
+<file path=ppt/slides/slide4.xml><?xml version="1.0" encoding="utf-8"?>
+<p:sld xmlns:a="http://schemas.openxmlformats.org/drawingml/2006/main" xmlns:r="http://schemas.openxmlformats.org/officeDocument/2006/relationships" xmlns:p="http://schemas.openxmlformats.org/presentationml/2006/main">
+  <p:cSld>
+    <p:spTree>
+      <p:nvGrpSpPr>
+        <p:cNvPr id="1" name=""/>
+        <p:cNvGrpSpPr/>
+        <p:nvPr/>
+      </p:nvGrpSpPr>
+      <p:grpSpPr>
+        <a:xfrm>
+          <a:off x="0" y="0"/>
+          <a:ext cx="0" cy="0"/>
+          <a:chOff x="0" y="0"/>
+          <a:chExt cx="0" cy="0"/>
+        </a:xfrm>
+      </p:grpSpPr>
+      <p:sp>
+        <p:nvSpPr>
+          <p:cNvPr id="2" name="Title 1">
+            <a:extLst>
+              <a:ext uri="{FF2B5EF4-FFF2-40B4-BE49-F238E27FC236}">
+                <a16:creationId xmlns:a16="http://schemas.microsoft.com/office/drawing/2014/main" id="{F69EF3CA-11DE-0D5B-C8C8-65D985FEF728}"/>
+              </a:ext>
+            </a:extLst>
+          </p:cNvPr>
+          <p:cNvSpPr>
+            <a:spLocks noGrp="1"/>
+          </p:cNvSpPr>
+          <p:nvPr>
+            <p:ph type="title"/>
+          </p:nvPr>
+        </p:nvSpPr>
+        <p:spPr/>
+        <p:txBody>
+          <a:bodyPr>
+            <a:normAutofit fontScale="90000"/>
+          </a:bodyPr>
+          <a:lstStyle/>
+          <a:p>
+            <a:r>
+              <a:rPr lang="en-US" dirty="0"/>
+              <a:t>Personal Resources</a:t>
+            </a:r>
+          </a:p>
+        </p:txBody>
+      </p:sp>
+      <p:sp>
+        <p:nvSpPr>
+          <p:cNvPr id="3" name="Content Placeholder 2">
+            <a:extLst>
+              <a:ext uri="{FF2B5EF4-FFF2-40B4-BE49-F238E27FC236}">
+                <a16:creationId xmlns:a16="http://schemas.microsoft.com/office/drawing/2014/main" id="{4395253B-E440-9C05-AB50-3876372623E3}"/>
+              </a:ext>
+            </a:extLst>
+          </p:cNvPr>
+          <p:cNvSpPr>
+            <a:spLocks noGrp="1"/>
+          </p:cNvSpPr>
+          <p:nvPr>
+            <p:ph idx="1"/>
+          </p:nvPr>
+        </p:nvSpPr>
+        <p:spPr/>
+        <p:txBody>
+          <a:bodyPr/>
+          <a:lstStyle/>
+          <a:p>
+            <a:pPr marL="742950" indent="-742950">
+              <a:buFont typeface="+mj-lt"/>
+              <a:buAutoNum type="arabicPeriod"/>
+            </a:pPr>
+            <a:r>
+              <a:rPr lang="en-US" dirty="0"/>
+              <a:t>Dr. Thomas B. Kinsman </a:t>
+            </a:r>
+            <a:br>
+              <a:rPr lang="en-US" dirty="0"/>
+            </a:br>
+            <a:r>
+              <a:rPr lang="en-US" dirty="0"/>
+              <a:t>is accustomed to being transcribed.</a:t>
+            </a:r>
+            <a:br>
+              <a:rPr lang="en-US" dirty="0"/>
+            </a:br>
+            <a:r>
+              <a:rPr lang="en-US" dirty="0"/>
+              <a:t>He has knowledge about data science, and </a:t>
+            </a:r>
+            <a:br>
+              <a:rPr lang="en-US" dirty="0"/>
+            </a:br>
+            <a:r>
+              <a:rPr lang="en-US" dirty="0"/>
+              <a:t>natural language processing.</a:t>
+            </a:r>
+            <a:br>
+              <a:rPr lang="en-US" dirty="0"/>
+            </a:br>
+            <a:endParaRPr lang="en-US" dirty="0"/>
+          </a:p>
+          <a:p>
+            <a:pPr marL="742950" indent="-742950">
+              <a:buFont typeface="+mj-lt"/>
+              <a:buAutoNum type="arabicPeriod"/>
+            </a:pPr>
+            <a:r>
+              <a:rPr lang="en-US" dirty="0"/>
+              <a:t>Michael Donovan</a:t>
+            </a:r>
+            <a:br>
+              <a:rPr lang="en-US" dirty="0"/>
+            </a:br>
+            <a:r>
+              <a:rPr lang="en-US" dirty="0"/>
+              <a:t>is an expert transcriptionist, and </a:t>
+            </a:r>
+            <a:br>
+              <a:rPr lang="en-US" dirty="0"/>
+            </a:br>
+            <a:r>
+              <a:rPr lang="en-US" dirty="0"/>
+              <a:t>trainer for transcriptionists.  He has a degree in semantic interpretation and specialized knowledge in computer science.</a:t>
+            </a:r>
+          </a:p>
+        </p:txBody>
+      </p:sp>
+      <p:sp>
+        <p:nvSpPr>
+          <p:cNvPr id="4" name="Footer Placeholder 3">
+            <a:extLst>
+              <a:ext uri="{FF2B5EF4-FFF2-40B4-BE49-F238E27FC236}">
+                <a16:creationId xmlns:a16="http://schemas.microsoft.com/office/drawing/2014/main" id="{11B76266-EBC9-6850-F9E2-074ED7A7B534}"/>
+              </a:ext>
+            </a:extLst>
+          </p:cNvPr>
+          <p:cNvSpPr>
+            <a:spLocks noGrp="1"/>
+          </p:cNvSpPr>
+          <p:nvPr>
+            <p:ph type="ftr" sz="quarter" idx="11"/>
+          </p:nvPr>
+        </p:nvSpPr>
+        <p:spPr/>
+        <p:txBody>
+          <a:bodyPr/>
+          <a:lstStyle/>
+          <a:p>
+            <a:r>
+              <a:rPr lang="en-US"/>
+              <a:t>Copyright 2023 Thomas B. Kinsman</a:t>
+            </a:r>
+            <a:endParaRPr lang="en-US" dirty="0"/>
+          </a:p>
+        </p:txBody>
+      </p:sp>
+      <p:sp>
+        <p:nvSpPr>
+          <p:cNvPr id="5" name="Slide Number Placeholder 4">
+            <a:extLst>
+              <a:ext uri="{FF2B5EF4-FFF2-40B4-BE49-F238E27FC236}">
+                <a16:creationId xmlns:a16="http://schemas.microsoft.com/office/drawing/2014/main" id="{AB87F718-1639-7370-FA54-594532000BBC}"/>
+              </a:ext>
+            </a:extLst>
+          </p:cNvPr>
+          <p:cNvSpPr>
+            <a:spLocks noGrp="1"/>
+          </p:cNvSpPr>
+          <p:nvPr>
+            <p:ph type="sldNum" sz="quarter" idx="12"/>
+          </p:nvPr>
+        </p:nvSpPr>
+        <p:spPr/>
+        <p:txBody>
+          <a:bodyPr/>
+          <a:lstStyle/>
+          <a:p>
+            <a:fld id="{3917AFD4-4D5B-3349-87D8-45B09FE3E7A5}" type="slidenum">
+              <a:rPr lang="en-US" smtClean="0"/>
+              <a:t>4</a:t>
+            </a:fld>
+            <a:endParaRPr lang="en-US"/>
+          </a:p>
+        </p:txBody>
+      </p:sp>
+    </p:spTree>
+    <p:extLst>
+      <p:ext uri="{BB962C8B-B14F-4D97-AF65-F5344CB8AC3E}">
+        <p14:creationId xmlns:p14="http://schemas.microsoft.com/office/powerpoint/2010/main" val="1355255090"/>
+      </p:ext>
+    </p:extLst>
+  </p:cSld>
+  <p:clrMapOvr>
+    <a:masterClrMapping/>
+  </p:clrMapOvr>
+</p:sld>
+</file>
+
+<file path=ppt/slides/slide5.xml><?xml version="1.0" encoding="utf-8"?>
+<p:sld xmlns:a="http://schemas.openxmlformats.org/drawingml/2006/main" xmlns:r="http://schemas.openxmlformats.org/officeDocument/2006/relationships" xmlns:p="http://schemas.openxmlformats.org/presentationml/2006/main">
+  <p:cSld>
+    <p:spTree>
+      <p:nvGrpSpPr>
+        <p:cNvPr id="1" name=""/>
+        <p:cNvGrpSpPr/>
+        <p:nvPr/>
+      </p:nvGrpSpPr>
+      <p:grpSpPr>
+        <a:xfrm>
+          <a:off x="0" y="0"/>
+          <a:ext cx="0" cy="0"/>
+          <a:chOff x="0" y="0"/>
+          <a:chExt cx="0" cy="0"/>
+        </a:xfrm>
+      </p:grpSpPr>
+      <p:sp>
+        <p:nvSpPr>
+          <p:cNvPr id="8" name="Rectangle 7">
+            <a:extLst>
+              <a:ext uri="{FF2B5EF4-FFF2-40B4-BE49-F238E27FC236}">
+                <a16:creationId xmlns:a16="http://schemas.microsoft.com/office/drawing/2014/main" id="{D3EC19E1-2B20-1739-6472-3603122B1892}"/>
+              </a:ext>
+            </a:extLst>
+          </p:cNvPr>
+          <p:cNvSpPr/>
+          <p:nvPr/>
+        </p:nvSpPr>
+        <p:spPr>
+          <a:xfrm>
+            <a:off x="9590153" y="5432801"/>
+            <a:ext cx="2781120" cy="1095153"/>
+          </a:xfrm>
+          <a:prstGeom prst="rect">
+            <a:avLst/>
+          </a:prstGeom>
+          <a:solidFill>
+            <a:schemeClr val="bg1"/>
+          </a:solidFill>
+          <a:ln>
+            <a:solidFill>
+              <a:schemeClr val="tx1"/>
+            </a:solidFill>
+          </a:ln>
+          <a:effectLst/>
+        </p:spPr>
+        <p:style>
+          <a:lnRef idx="1">
+            <a:schemeClr val="accent1"/>
+          </a:lnRef>
+          <a:fillRef idx="3">
+            <a:schemeClr val="accent1"/>
+          </a:fillRef>
+          <a:effectRef idx="2">
+            <a:schemeClr val="accent1"/>
+          </a:effectRef>
+          <a:fontRef idx="minor">
+            <a:schemeClr val="lt1"/>
+          </a:fontRef>
+        </p:style>
+        <p:txBody>
+          <a:bodyPr rtlCol="0" anchor="ctr"/>
+          <a:lstStyle/>
+          <a:p>
+            <a:pPr algn="ctr"/>
+            <a:r>
+              <a:rPr lang="en-US" dirty="0">
+                <a:solidFill>
+                  <a:schemeClr val="tx1"/>
+                </a:solidFill>
+              </a:rPr>
+              <a:t>Word Clouds &amp;</a:t>
+            </a:r>
+          </a:p>
+          <a:p>
+            <a:pPr algn="ctr"/>
+            <a:r>
+              <a:rPr lang="en-US" dirty="0">
+                <a:solidFill>
+                  <a:schemeClr val="tx1"/>
+                </a:solidFill>
+              </a:rPr>
+              <a:t>Vocabulary Lists</a:t>
+            </a:r>
+          </a:p>
+        </p:txBody>
+      </p:sp>
+      <p:sp>
+        <p:nvSpPr>
+          <p:cNvPr id="2" name="Title 1">
+            <a:extLst>
+              <a:ext uri="{FF2B5EF4-FFF2-40B4-BE49-F238E27FC236}">
                 <a16:creationId xmlns:a16="http://schemas.microsoft.com/office/drawing/2014/main" id="{561C74D5-4267-D1A8-54EC-C30D8DAE528C}"/>
               </a:ext>
             </a:extLst>
@@ -4243,7 +5198,7 @@
           <a:p>
             <a:fld id="{3917AFD4-4D5B-3349-87D8-45B09FE3E7A5}" type="slidenum">
               <a:rPr lang="en-US" smtClean="0"/>
-              <a:t>2</a:t>
+              <a:t>5</a:t>
             </a:fld>
             <a:endParaRPr lang="en-US"/>
           </a:p>
@@ -4326,7 +5281,7 @@
         <p:spPr>
           <a:xfrm>
             <a:off x="9380400" y="5601828"/>
-            <a:ext cx="2781120" cy="1095153"/>
+            <a:ext cx="2781120" cy="1778192"/>
           </a:xfrm>
           <a:prstGeom prst="rect">
             <a:avLst/>
@@ -4378,6 +5333,21 @@
                 </a:solidFill>
               </a:rPr>
               <a:t>Vocabulary Lists</a:t>
+            </a:r>
+            <a:br>
+              <a:rPr lang="en-US" dirty="0">
+                <a:solidFill>
+                  <a:schemeClr val="tx1"/>
+                </a:solidFill>
+              </a:rPr>
+            </a:br>
+            <a:r>
+              <a:rPr lang="en-US" dirty="0">
+                <a:solidFill>
+                  <a:schemeClr val="tx1"/>
+                </a:solidFill>
+              </a:rPr>
+              <a:t>for Captionists and Interpreters</a:t>
             </a:r>
           </a:p>
         </p:txBody>
@@ -5024,7 +5994,7 @@
                   <a:schemeClr val="tx1"/>
                 </a:solidFill>
               </a:rPr>
-              <a:t>Re-Formatting</a:t>
+              <a:t>Re-Formatting and Report Generation</a:t>
             </a:r>
           </a:p>
         </p:txBody>
@@ -5446,14 +6416,13 @@
           </p:cNvPr>
           <p:cNvCxnSpPr>
             <a:cxnSpLocks/>
-            <a:endCxn id="7" idx="1"/>
           </p:cNvCxnSpPr>
           <p:nvPr/>
         </p:nvCxnSpPr>
         <p:spPr>
           <a:xfrm>
             <a:off x="7994195" y="6138936"/>
-            <a:ext cx="1386205" cy="10469"/>
+            <a:ext cx="1386205" cy="0"/>
           </a:xfrm>
           <a:prstGeom prst="straightConnector1">
             <a:avLst/>
@@ -5490,434 +6459,6 @@
 </p:sld>
 </file>
 
-<file path=ppt/slides/slide3.xml><?xml version="1.0" encoding="utf-8"?>
-<p:sld xmlns:a="http://schemas.openxmlformats.org/drawingml/2006/main" xmlns:r="http://schemas.openxmlformats.org/officeDocument/2006/relationships" xmlns:p="http://schemas.openxmlformats.org/presentationml/2006/main">
-  <p:cSld>
-    <p:spTree>
-      <p:nvGrpSpPr>
-        <p:cNvPr id="1" name=""/>
-        <p:cNvGrpSpPr/>
-        <p:nvPr/>
-      </p:nvGrpSpPr>
-      <p:grpSpPr>
-        <a:xfrm>
-          <a:off x="0" y="0"/>
-          <a:ext cx="0" cy="0"/>
-          <a:chOff x="0" y="0"/>
-          <a:chExt cx="0" cy="0"/>
-        </a:xfrm>
-      </p:grpSpPr>
-      <p:sp>
-        <p:nvSpPr>
-          <p:cNvPr id="2" name="Title 1">
-            <a:extLst>
-              <a:ext uri="{FF2B5EF4-FFF2-40B4-BE49-F238E27FC236}">
-                <a16:creationId xmlns:a16="http://schemas.microsoft.com/office/drawing/2014/main" id="{4FEAEF2D-0D6D-0F6E-90D4-A463BF231B1B}"/>
-              </a:ext>
-            </a:extLst>
-          </p:cNvPr>
-          <p:cNvSpPr>
-            <a:spLocks noGrp="1"/>
-          </p:cNvSpPr>
-          <p:nvPr>
-            <p:ph type="title"/>
-          </p:nvPr>
-        </p:nvSpPr>
-        <p:spPr/>
-        <p:txBody>
-          <a:bodyPr>
-            <a:normAutofit fontScale="90000"/>
-          </a:bodyPr>
-          <a:lstStyle/>
-          <a:p>
-            <a:r>
-              <a:rPr lang="en-US" dirty="0"/>
-              <a:t>Key Findings:</a:t>
-            </a:r>
-          </a:p>
-        </p:txBody>
-      </p:sp>
-      <p:sp>
-        <p:nvSpPr>
-          <p:cNvPr id="3" name="Content Placeholder 2">
-            <a:extLst>
-              <a:ext uri="{FF2B5EF4-FFF2-40B4-BE49-F238E27FC236}">
-                <a16:creationId xmlns:a16="http://schemas.microsoft.com/office/drawing/2014/main" id="{1C803FDD-A6AC-A409-9C12-CC454BD02D0A}"/>
-              </a:ext>
-            </a:extLst>
-          </p:cNvPr>
-          <p:cNvSpPr>
-            <a:spLocks noGrp="1"/>
-          </p:cNvSpPr>
-          <p:nvPr>
-            <p:ph idx="1"/>
-          </p:nvPr>
-        </p:nvSpPr>
-        <p:spPr/>
-        <p:txBody>
-          <a:bodyPr/>
-          <a:lstStyle/>
-          <a:p>
-            <a:endParaRPr lang="en-US" dirty="0"/>
-          </a:p>
-        </p:txBody>
-      </p:sp>
-      <p:sp>
-        <p:nvSpPr>
-          <p:cNvPr id="4" name="Footer Placeholder 3">
-            <a:extLst>
-              <a:ext uri="{FF2B5EF4-FFF2-40B4-BE49-F238E27FC236}">
-                <a16:creationId xmlns:a16="http://schemas.microsoft.com/office/drawing/2014/main" id="{B566E2B2-6C72-1679-E2FD-A97789E95206}"/>
-              </a:ext>
-            </a:extLst>
-          </p:cNvPr>
-          <p:cNvSpPr>
-            <a:spLocks noGrp="1"/>
-          </p:cNvSpPr>
-          <p:nvPr>
-            <p:ph type="ftr" sz="quarter" idx="11"/>
-          </p:nvPr>
-        </p:nvSpPr>
-        <p:spPr/>
-        <p:txBody>
-          <a:bodyPr/>
-          <a:lstStyle/>
-          <a:p>
-            <a:r>
-              <a:rPr lang="en-US"/>
-              <a:t>Copyright 2023 Thomas B. Kinsman</a:t>
-            </a:r>
-            <a:endParaRPr lang="en-US" dirty="0"/>
-          </a:p>
-        </p:txBody>
-      </p:sp>
-      <p:sp>
-        <p:nvSpPr>
-          <p:cNvPr id="5" name="Slide Number Placeholder 4">
-            <a:extLst>
-              <a:ext uri="{FF2B5EF4-FFF2-40B4-BE49-F238E27FC236}">
-                <a16:creationId xmlns:a16="http://schemas.microsoft.com/office/drawing/2014/main" id="{367C9FA0-5305-EAA6-3E01-C0472D3A3EFF}"/>
-              </a:ext>
-            </a:extLst>
-          </p:cNvPr>
-          <p:cNvSpPr>
-            <a:spLocks noGrp="1"/>
-          </p:cNvSpPr>
-          <p:nvPr>
-            <p:ph type="sldNum" sz="quarter" idx="12"/>
-          </p:nvPr>
-        </p:nvSpPr>
-        <p:spPr/>
-        <p:txBody>
-          <a:bodyPr/>
-          <a:lstStyle/>
-          <a:p>
-            <a:fld id="{3917AFD4-4D5B-3349-87D8-45B09FE3E7A5}" type="slidenum">
-              <a:rPr lang="en-US" smtClean="0"/>
-              <a:t>3</a:t>
-            </a:fld>
-            <a:endParaRPr lang="en-US"/>
-          </a:p>
-        </p:txBody>
-      </p:sp>
-    </p:spTree>
-    <p:extLst>
-      <p:ext uri="{BB962C8B-B14F-4D97-AF65-F5344CB8AC3E}">
-        <p14:creationId xmlns:p14="http://schemas.microsoft.com/office/powerpoint/2010/main" val="1298365055"/>
-      </p:ext>
-    </p:extLst>
-  </p:cSld>
-  <p:clrMapOvr>
-    <a:masterClrMapping/>
-  </p:clrMapOvr>
-</p:sld>
-</file>
-
-<file path=ppt/slides/slide4.xml><?xml version="1.0" encoding="utf-8"?>
-<p:sld xmlns:a="http://schemas.openxmlformats.org/drawingml/2006/main" xmlns:r="http://schemas.openxmlformats.org/officeDocument/2006/relationships" xmlns:p="http://schemas.openxmlformats.org/presentationml/2006/main">
-  <p:cSld>
-    <p:spTree>
-      <p:nvGrpSpPr>
-        <p:cNvPr id="1" name=""/>
-        <p:cNvGrpSpPr/>
-        <p:nvPr/>
-      </p:nvGrpSpPr>
-      <p:grpSpPr>
-        <a:xfrm>
-          <a:off x="0" y="0"/>
-          <a:ext cx="0" cy="0"/>
-          <a:chOff x="0" y="0"/>
-          <a:chExt cx="0" cy="0"/>
-        </a:xfrm>
-      </p:grpSpPr>
-      <p:sp>
-        <p:nvSpPr>
-          <p:cNvPr id="2" name="Title 1">
-            <a:extLst>
-              <a:ext uri="{FF2B5EF4-FFF2-40B4-BE49-F238E27FC236}">
-                <a16:creationId xmlns:a16="http://schemas.microsoft.com/office/drawing/2014/main" id="{B0CAD7F3-74D2-1CAB-279B-9156CCA7E23C}"/>
-              </a:ext>
-            </a:extLst>
-          </p:cNvPr>
-          <p:cNvSpPr>
-            <a:spLocks noGrp="1"/>
-          </p:cNvSpPr>
-          <p:nvPr>
-            <p:ph type="title"/>
-          </p:nvPr>
-        </p:nvSpPr>
-        <p:spPr>
-          <a:xfrm>
-            <a:off x="640080" y="329565"/>
-            <a:ext cx="11521440" cy="701793"/>
-          </a:xfrm>
-        </p:spPr>
-        <p:txBody>
-          <a:bodyPr>
-            <a:normAutofit fontScale="90000"/>
-          </a:bodyPr>
-          <a:lstStyle/>
-          <a:p>
-            <a:endParaRPr lang="en-US" dirty="0"/>
-          </a:p>
-        </p:txBody>
-      </p:sp>
-      <p:sp>
-        <p:nvSpPr>
-          <p:cNvPr id="3" name="Content Placeholder 2">
-            <a:extLst>
-              <a:ext uri="{FF2B5EF4-FFF2-40B4-BE49-F238E27FC236}">
-                <a16:creationId xmlns:a16="http://schemas.microsoft.com/office/drawing/2014/main" id="{636CDD01-9D3D-DE59-68C3-C2CBB8CEE069}"/>
-              </a:ext>
-            </a:extLst>
-          </p:cNvPr>
-          <p:cNvSpPr>
-            <a:spLocks noGrp="1"/>
-          </p:cNvSpPr>
-          <p:nvPr>
-            <p:ph idx="1"/>
-          </p:nvPr>
-        </p:nvSpPr>
-        <p:spPr/>
-        <p:txBody>
-          <a:bodyPr/>
-          <a:lstStyle/>
-          <a:p>
-            <a:endParaRPr lang="en-US"/>
-          </a:p>
-        </p:txBody>
-      </p:sp>
-      <p:sp>
-        <p:nvSpPr>
-          <p:cNvPr id="4" name="Footer Placeholder 3">
-            <a:extLst>
-              <a:ext uri="{FF2B5EF4-FFF2-40B4-BE49-F238E27FC236}">
-                <a16:creationId xmlns:a16="http://schemas.microsoft.com/office/drawing/2014/main" id="{1EA8EFEB-5601-FB0F-9A50-00711F8F0918}"/>
-              </a:ext>
-            </a:extLst>
-          </p:cNvPr>
-          <p:cNvSpPr>
-            <a:spLocks noGrp="1"/>
-          </p:cNvSpPr>
-          <p:nvPr>
-            <p:ph type="ftr" sz="quarter" idx="11"/>
-          </p:nvPr>
-        </p:nvSpPr>
-        <p:spPr/>
-        <p:txBody>
-          <a:bodyPr/>
-          <a:lstStyle/>
-          <a:p>
-            <a:r>
-              <a:rPr lang="en-US"/>
-              <a:t>Copyright 2023 Thomas B. Kinsman</a:t>
-            </a:r>
-            <a:endParaRPr lang="en-US" dirty="0"/>
-          </a:p>
-        </p:txBody>
-      </p:sp>
-      <p:sp>
-        <p:nvSpPr>
-          <p:cNvPr id="5" name="Slide Number Placeholder 4">
-            <a:extLst>
-              <a:ext uri="{FF2B5EF4-FFF2-40B4-BE49-F238E27FC236}">
-                <a16:creationId xmlns:a16="http://schemas.microsoft.com/office/drawing/2014/main" id="{F670FBF3-33B6-D25C-4E9D-4C57E0566990}"/>
-              </a:ext>
-            </a:extLst>
-          </p:cNvPr>
-          <p:cNvSpPr>
-            <a:spLocks noGrp="1"/>
-          </p:cNvSpPr>
-          <p:nvPr>
-            <p:ph type="sldNum" sz="quarter" idx="12"/>
-          </p:nvPr>
-        </p:nvSpPr>
-        <p:spPr/>
-        <p:txBody>
-          <a:bodyPr/>
-          <a:lstStyle/>
-          <a:p>
-            <a:fld id="{3917AFD4-4D5B-3349-87D8-45B09FE3E7A5}" type="slidenum">
-              <a:rPr lang="en-US" smtClean="0"/>
-              <a:t>4</a:t>
-            </a:fld>
-            <a:endParaRPr lang="en-US"/>
-          </a:p>
-        </p:txBody>
-      </p:sp>
-    </p:spTree>
-    <p:extLst>
-      <p:ext uri="{BB962C8B-B14F-4D97-AF65-F5344CB8AC3E}">
-        <p14:creationId xmlns:p14="http://schemas.microsoft.com/office/powerpoint/2010/main" val="1837265362"/>
-      </p:ext>
-    </p:extLst>
-  </p:cSld>
-  <p:clrMapOvr>
-    <a:masterClrMapping/>
-  </p:clrMapOvr>
-</p:sld>
-</file>
-
-<file path=ppt/slides/slide5.xml><?xml version="1.0" encoding="utf-8"?>
-<p:sld xmlns:a="http://schemas.openxmlformats.org/drawingml/2006/main" xmlns:r="http://schemas.openxmlformats.org/officeDocument/2006/relationships" xmlns:p="http://schemas.openxmlformats.org/presentationml/2006/main">
-  <p:cSld>
-    <p:spTree>
-      <p:nvGrpSpPr>
-        <p:cNvPr id="1" name=""/>
-        <p:cNvGrpSpPr/>
-        <p:nvPr/>
-      </p:nvGrpSpPr>
-      <p:grpSpPr>
-        <a:xfrm>
-          <a:off x="0" y="0"/>
-          <a:ext cx="0" cy="0"/>
-          <a:chOff x="0" y="0"/>
-          <a:chExt cx="0" cy="0"/>
-        </a:xfrm>
-      </p:grpSpPr>
-      <p:sp>
-        <p:nvSpPr>
-          <p:cNvPr id="2" name="Title 1">
-            <a:extLst>
-              <a:ext uri="{FF2B5EF4-FFF2-40B4-BE49-F238E27FC236}">
-                <a16:creationId xmlns:a16="http://schemas.microsoft.com/office/drawing/2014/main" id="{994054FE-6506-96B4-BE86-73FD7AF1898E}"/>
-              </a:ext>
-            </a:extLst>
-          </p:cNvPr>
-          <p:cNvSpPr>
-            <a:spLocks noGrp="1"/>
-          </p:cNvSpPr>
-          <p:nvPr>
-            <p:ph type="title"/>
-          </p:nvPr>
-        </p:nvSpPr>
-        <p:spPr/>
-        <p:txBody>
-          <a:bodyPr>
-            <a:normAutofit fontScale="90000"/>
-          </a:bodyPr>
-          <a:lstStyle/>
-          <a:p>
-            <a:endParaRPr lang="en-US"/>
-          </a:p>
-        </p:txBody>
-      </p:sp>
-      <p:sp>
-        <p:nvSpPr>
-          <p:cNvPr id="3" name="Content Placeholder 2">
-            <a:extLst>
-              <a:ext uri="{FF2B5EF4-FFF2-40B4-BE49-F238E27FC236}">
-                <a16:creationId xmlns:a16="http://schemas.microsoft.com/office/drawing/2014/main" id="{BE7B5511-3852-2B25-023D-4C9290F67D58}"/>
-              </a:ext>
-            </a:extLst>
-          </p:cNvPr>
-          <p:cNvSpPr>
-            <a:spLocks noGrp="1"/>
-          </p:cNvSpPr>
-          <p:nvPr>
-            <p:ph idx="1"/>
-          </p:nvPr>
-        </p:nvSpPr>
-        <p:spPr/>
-        <p:txBody>
-          <a:bodyPr/>
-          <a:lstStyle/>
-          <a:p>
-            <a:endParaRPr lang="en-US"/>
-          </a:p>
-        </p:txBody>
-      </p:sp>
-      <p:sp>
-        <p:nvSpPr>
-          <p:cNvPr id="4" name="Footer Placeholder 3">
-            <a:extLst>
-              <a:ext uri="{FF2B5EF4-FFF2-40B4-BE49-F238E27FC236}">
-                <a16:creationId xmlns:a16="http://schemas.microsoft.com/office/drawing/2014/main" id="{9B37D305-6282-939D-11D7-C5834E937D74}"/>
-              </a:ext>
-            </a:extLst>
-          </p:cNvPr>
-          <p:cNvSpPr>
-            <a:spLocks noGrp="1"/>
-          </p:cNvSpPr>
-          <p:nvPr>
-            <p:ph type="ftr" sz="quarter" idx="11"/>
-          </p:nvPr>
-        </p:nvSpPr>
-        <p:spPr/>
-        <p:txBody>
-          <a:bodyPr/>
-          <a:lstStyle/>
-          <a:p>
-            <a:r>
-              <a:rPr lang="en-US"/>
-              <a:t>Copyright 2023 Thomas B. Kinsman</a:t>
-            </a:r>
-            <a:endParaRPr lang="en-US" dirty="0"/>
-          </a:p>
-        </p:txBody>
-      </p:sp>
-      <p:sp>
-        <p:nvSpPr>
-          <p:cNvPr id="5" name="Slide Number Placeholder 4">
-            <a:extLst>
-              <a:ext uri="{FF2B5EF4-FFF2-40B4-BE49-F238E27FC236}">
-                <a16:creationId xmlns:a16="http://schemas.microsoft.com/office/drawing/2014/main" id="{6E78F57E-F8DF-FE91-DA66-BDE3546A1E0E}"/>
-              </a:ext>
-            </a:extLst>
-          </p:cNvPr>
-          <p:cNvSpPr>
-            <a:spLocks noGrp="1"/>
-          </p:cNvSpPr>
-          <p:nvPr>
-            <p:ph type="sldNum" sz="quarter" idx="12"/>
-          </p:nvPr>
-        </p:nvSpPr>
-        <p:spPr/>
-        <p:txBody>
-          <a:bodyPr/>
-          <a:lstStyle/>
-          <a:p>
-            <a:fld id="{3917AFD4-4D5B-3349-87D8-45B09FE3E7A5}" type="slidenum">
-              <a:rPr lang="en-US" smtClean="0"/>
-              <a:t>5</a:t>
-            </a:fld>
-            <a:endParaRPr lang="en-US"/>
-          </a:p>
-        </p:txBody>
-      </p:sp>
-    </p:spTree>
-    <p:extLst>
-      <p:ext uri="{BB962C8B-B14F-4D97-AF65-F5344CB8AC3E}">
-        <p14:creationId xmlns:p14="http://schemas.microsoft.com/office/powerpoint/2010/main" val="1554403297"/>
-      </p:ext>
-    </p:extLst>
-  </p:cSld>
-  <p:clrMapOvr>
-    <a:masterClrMapping/>
-  </p:clrMapOvr>
-</p:sld>
-</file>
-
 <file path=ppt/slides/slide6.xml><?xml version="1.0" encoding="utf-8"?>
 <p:sld xmlns:a="http://schemas.openxmlformats.org/drawingml/2006/main" xmlns:r="http://schemas.openxmlformats.org/officeDocument/2006/relationships" xmlns:p="http://schemas.openxmlformats.org/presentationml/2006/main">
   <p:cSld>
@@ -5940,7 +6481,7 @@
           <p:cNvPr id="2" name="Title 1">
             <a:extLst>
               <a:ext uri="{FF2B5EF4-FFF2-40B4-BE49-F238E27FC236}">
-                <a16:creationId xmlns:a16="http://schemas.microsoft.com/office/drawing/2014/main" id="{810C7023-9591-1E36-4E69-046A803849D2}"/>
+                <a16:creationId xmlns:a16="http://schemas.microsoft.com/office/drawing/2014/main" id="{63B0DCF8-8AED-4831-3E86-33DA61E24C97}"/>
               </a:ext>
             </a:extLst>
           </p:cNvPr>
@@ -5951,19 +6492,17 @@
             <p:ph type="title"/>
           </p:nvPr>
         </p:nvSpPr>
-        <p:spPr>
-          <a:xfrm>
-            <a:off x="640080" y="329565"/>
-            <a:ext cx="11521440" cy="765588"/>
-          </a:xfrm>
-        </p:spPr>
+        <p:spPr/>
         <p:txBody>
           <a:bodyPr>
             <a:normAutofit fontScale="90000"/>
           </a:bodyPr>
           <a:lstStyle/>
           <a:p>
-            <a:endParaRPr lang="en-US" dirty="0"/>
+            <a:r>
+              <a:rPr lang="en-US" dirty="0"/>
+              <a:t>Show Classifiers</a:t>
+            </a:r>
           </a:p>
         </p:txBody>
       </p:sp>
@@ -5972,7 +6511,7 @@
           <p:cNvPr id="3" name="Content Placeholder 2">
             <a:extLst>
               <a:ext uri="{FF2B5EF4-FFF2-40B4-BE49-F238E27FC236}">
-                <a16:creationId xmlns:a16="http://schemas.microsoft.com/office/drawing/2014/main" id="{EA726EC3-CA33-0464-44A2-A53ADF6E9BA3}"/>
+                <a16:creationId xmlns:a16="http://schemas.microsoft.com/office/drawing/2014/main" id="{E6D752CD-1040-735B-76B6-FD30460A299F}"/>
               </a:ext>
             </a:extLst>
           </p:cNvPr>
@@ -5988,7 +6527,10 @@
           <a:bodyPr/>
           <a:lstStyle/>
           <a:p>
-            <a:endParaRPr lang="en-US" dirty="0"/>
+            <a:r>
+              <a:rPr lang="en-US" dirty="0"/>
+              <a:t>(Place holder graph)</a:t>
+            </a:r>
           </a:p>
         </p:txBody>
       </p:sp>
@@ -5997,7 +6539,7 @@
           <p:cNvPr id="4" name="Footer Placeholder 3">
             <a:extLst>
               <a:ext uri="{FF2B5EF4-FFF2-40B4-BE49-F238E27FC236}">
-                <a16:creationId xmlns:a16="http://schemas.microsoft.com/office/drawing/2014/main" id="{3C5A0B2A-1CDA-9007-93BC-C6112068AD03}"/>
+                <a16:creationId xmlns:a16="http://schemas.microsoft.com/office/drawing/2014/main" id="{5D710A74-D0E9-854E-CEE5-9739F0466D4E}"/>
               </a:ext>
             </a:extLst>
           </p:cNvPr>
@@ -6026,7 +6568,7 @@
           <p:cNvPr id="5" name="Slide Number Placeholder 4">
             <a:extLst>
               <a:ext uri="{FF2B5EF4-FFF2-40B4-BE49-F238E27FC236}">
-                <a16:creationId xmlns:a16="http://schemas.microsoft.com/office/drawing/2014/main" id="{0FF56C22-61C4-6238-EF9F-D4E2AFC662B7}"/>
+                <a16:creationId xmlns:a16="http://schemas.microsoft.com/office/drawing/2014/main" id="{C4D712FE-A1CD-8598-D947-4A04220B45DF}"/>
               </a:ext>
             </a:extLst>
           </p:cNvPr>
@@ -6053,7 +6595,532 @@
     </p:spTree>
     <p:extLst>
       <p:ext uri="{BB962C8B-B14F-4D97-AF65-F5344CB8AC3E}">
-        <p14:creationId xmlns:p14="http://schemas.microsoft.com/office/powerpoint/2010/main" val="2503620405"/>
+        <p14:creationId xmlns:p14="http://schemas.microsoft.com/office/powerpoint/2010/main" val="1997080726"/>
+      </p:ext>
+    </p:extLst>
+  </p:cSld>
+  <p:clrMapOvr>
+    <a:masterClrMapping/>
+  </p:clrMapOvr>
+</p:sld>
+</file>
+
+<file path=ppt/slides/slide7.xml><?xml version="1.0" encoding="utf-8"?>
+<p:sld xmlns:a="http://schemas.openxmlformats.org/drawingml/2006/main" xmlns:r="http://schemas.openxmlformats.org/officeDocument/2006/relationships" xmlns:p="http://schemas.openxmlformats.org/presentationml/2006/main">
+  <p:cSld>
+    <p:spTree>
+      <p:nvGrpSpPr>
+        <p:cNvPr id="1" name=""/>
+        <p:cNvGrpSpPr/>
+        <p:nvPr/>
+      </p:nvGrpSpPr>
+      <p:grpSpPr>
+        <a:xfrm>
+          <a:off x="0" y="0"/>
+          <a:ext cx="0" cy="0"/>
+          <a:chOff x="0" y="0"/>
+          <a:chExt cx="0" cy="0"/>
+        </a:xfrm>
+      </p:grpSpPr>
+      <p:sp>
+        <p:nvSpPr>
+          <p:cNvPr id="2" name="Title 1">
+            <a:extLst>
+              <a:ext uri="{FF2B5EF4-FFF2-40B4-BE49-F238E27FC236}">
+                <a16:creationId xmlns:a16="http://schemas.microsoft.com/office/drawing/2014/main" id="{4FEAEF2D-0D6D-0F6E-90D4-A463BF231B1B}"/>
+              </a:ext>
+            </a:extLst>
+          </p:cNvPr>
+          <p:cNvSpPr>
+            <a:spLocks noGrp="1"/>
+          </p:cNvSpPr>
+          <p:nvPr>
+            <p:ph type="title"/>
+          </p:nvPr>
+        </p:nvSpPr>
+        <p:spPr/>
+        <p:txBody>
+          <a:bodyPr>
+            <a:normAutofit fontScale="90000"/>
+          </a:bodyPr>
+          <a:lstStyle/>
+          <a:p>
+            <a:r>
+              <a:rPr lang="en-US" dirty="0"/>
+              <a:t>Initial Findings:</a:t>
+            </a:r>
+          </a:p>
+        </p:txBody>
+      </p:sp>
+      <p:sp>
+        <p:nvSpPr>
+          <p:cNvPr id="3" name="Content Placeholder 2">
+            <a:extLst>
+              <a:ext uri="{FF2B5EF4-FFF2-40B4-BE49-F238E27FC236}">
+                <a16:creationId xmlns:a16="http://schemas.microsoft.com/office/drawing/2014/main" id="{1C803FDD-A6AC-A409-9C12-CC454BD02D0A}"/>
+              </a:ext>
+            </a:extLst>
+          </p:cNvPr>
+          <p:cNvSpPr>
+            <a:spLocks noGrp="1"/>
+          </p:cNvSpPr>
+          <p:nvPr>
+            <p:ph idx="1"/>
+          </p:nvPr>
+        </p:nvSpPr>
+        <p:spPr/>
+        <p:txBody>
+          <a:bodyPr/>
+          <a:lstStyle/>
+          <a:p>
+            <a:pPr marL="742950" indent="-742950">
+              <a:buFont typeface="+mj-lt"/>
+              <a:buAutoNum type="arabicPeriod"/>
+            </a:pPr>
+            <a:r>
+              <a:rPr lang="en-US" dirty="0"/>
+              <a:t>The typical methods of analysis do not apply.</a:t>
+            </a:r>
+            <a:br>
+              <a:rPr lang="en-US" dirty="0"/>
+            </a:br>
+            <a:r>
+              <a:rPr lang="en-US" dirty="0"/>
+              <a:t>The usual “stop words” cannot be deleted.</a:t>
+            </a:r>
+          </a:p>
+          <a:p>
+            <a:pPr marL="742950" indent="-742950">
+              <a:buFont typeface="+mj-lt"/>
+              <a:buAutoNum type="arabicPeriod"/>
+            </a:pPr>
+            <a:r>
+              <a:rPr lang="en-US" dirty="0"/>
+              <a:t>The typical technique of moving all words to lower case removes some of the semantics of abbreviations.</a:t>
+            </a:r>
+          </a:p>
+          <a:p>
+            <a:pPr marL="742950" indent="-742950">
+              <a:buFont typeface="+mj-lt"/>
+              <a:buAutoNum type="arabicPeriod"/>
+            </a:pPr>
+            <a:r>
+              <a:rPr lang="en-US" dirty="0"/>
+              <a:t>We have prior knowledge about the </a:t>
+            </a:r>
+            <a:br>
+              <a:rPr lang="en-US" dirty="0"/>
+            </a:br>
+            <a:r>
+              <a:rPr lang="en-US" dirty="0"/>
+              <a:t>structure of transcripts that should be incorporated into our processing.</a:t>
+            </a:r>
+          </a:p>
+          <a:p>
+            <a:pPr marL="1214438" lvl="1" indent="-463550">
+              <a:buFont typeface="+mj-lt"/>
+              <a:buAutoNum type="alphaLcPeriod"/>
+            </a:pPr>
+            <a:r>
+              <a:rPr lang="en-US" dirty="0"/>
+              <a:t>We know the format for recording speaker and speech</a:t>
+            </a:r>
+          </a:p>
+          <a:p>
+            <a:pPr marL="1214438" lvl="1" indent="-463550">
+              <a:buFont typeface="+mj-lt"/>
+              <a:buAutoNum type="alphaLcPeriod"/>
+            </a:pPr>
+            <a:r>
+              <a:rPr lang="en-US" dirty="0"/>
+              <a:t>We also know other particulars of the transcripts </a:t>
+            </a:r>
+          </a:p>
+          <a:p>
+            <a:pPr marL="742950" indent="-742950">
+              <a:buFont typeface="+mj-lt"/>
+              <a:buAutoNum type="arabicPeriod"/>
+            </a:pPr>
+            <a:endParaRPr lang="en-US" dirty="0"/>
+          </a:p>
+          <a:p>
+            <a:pPr marL="742950" indent="-742950">
+              <a:buFont typeface="+mj-lt"/>
+              <a:buAutoNum type="arabicPeriod"/>
+            </a:pPr>
+            <a:endParaRPr lang="en-US" dirty="0"/>
+          </a:p>
+        </p:txBody>
+      </p:sp>
+      <p:sp>
+        <p:nvSpPr>
+          <p:cNvPr id="4" name="Footer Placeholder 3">
+            <a:extLst>
+              <a:ext uri="{FF2B5EF4-FFF2-40B4-BE49-F238E27FC236}">
+                <a16:creationId xmlns:a16="http://schemas.microsoft.com/office/drawing/2014/main" id="{B566E2B2-6C72-1679-E2FD-A97789E95206}"/>
+              </a:ext>
+            </a:extLst>
+          </p:cNvPr>
+          <p:cNvSpPr>
+            <a:spLocks noGrp="1"/>
+          </p:cNvSpPr>
+          <p:nvPr>
+            <p:ph type="ftr" sz="quarter" idx="11"/>
+          </p:nvPr>
+        </p:nvSpPr>
+        <p:spPr/>
+        <p:txBody>
+          <a:bodyPr/>
+          <a:lstStyle/>
+          <a:p>
+            <a:r>
+              <a:rPr lang="en-US"/>
+              <a:t>Copyright 2023 Thomas B. Kinsman</a:t>
+            </a:r>
+            <a:endParaRPr lang="en-US" dirty="0"/>
+          </a:p>
+        </p:txBody>
+      </p:sp>
+      <p:sp>
+        <p:nvSpPr>
+          <p:cNvPr id="5" name="Slide Number Placeholder 4">
+            <a:extLst>
+              <a:ext uri="{FF2B5EF4-FFF2-40B4-BE49-F238E27FC236}">
+                <a16:creationId xmlns:a16="http://schemas.microsoft.com/office/drawing/2014/main" id="{367C9FA0-5305-EAA6-3E01-C0472D3A3EFF}"/>
+              </a:ext>
+            </a:extLst>
+          </p:cNvPr>
+          <p:cNvSpPr>
+            <a:spLocks noGrp="1"/>
+          </p:cNvSpPr>
+          <p:nvPr>
+            <p:ph type="sldNum" sz="quarter" idx="12"/>
+          </p:nvPr>
+        </p:nvSpPr>
+        <p:spPr/>
+        <p:txBody>
+          <a:bodyPr/>
+          <a:lstStyle/>
+          <a:p>
+            <a:fld id="{3917AFD4-4D5B-3349-87D8-45B09FE3E7A5}" type="slidenum">
+              <a:rPr lang="en-US" smtClean="0"/>
+              <a:t>7</a:t>
+            </a:fld>
+            <a:endParaRPr lang="en-US"/>
+          </a:p>
+        </p:txBody>
+      </p:sp>
+    </p:spTree>
+    <p:extLst>
+      <p:ext uri="{BB962C8B-B14F-4D97-AF65-F5344CB8AC3E}">
+        <p14:creationId xmlns:p14="http://schemas.microsoft.com/office/powerpoint/2010/main" val="1298365055"/>
+      </p:ext>
+    </p:extLst>
+  </p:cSld>
+  <p:clrMapOvr>
+    <a:masterClrMapping/>
+  </p:clrMapOvr>
+</p:sld>
+</file>
+
+<file path=ppt/slides/slide8.xml><?xml version="1.0" encoding="utf-8"?>
+<p:sld xmlns:a="http://schemas.openxmlformats.org/drawingml/2006/main" xmlns:r="http://schemas.openxmlformats.org/officeDocument/2006/relationships" xmlns:p="http://schemas.openxmlformats.org/presentationml/2006/main">
+  <p:cSld>
+    <p:spTree>
+      <p:nvGrpSpPr>
+        <p:cNvPr id="1" name=""/>
+        <p:cNvGrpSpPr/>
+        <p:nvPr/>
+      </p:nvGrpSpPr>
+      <p:grpSpPr>
+        <a:xfrm>
+          <a:off x="0" y="0"/>
+          <a:ext cx="0" cy="0"/>
+          <a:chOff x="0" y="0"/>
+          <a:chExt cx="0" cy="0"/>
+        </a:xfrm>
+      </p:grpSpPr>
+      <p:sp>
+        <p:nvSpPr>
+          <p:cNvPr id="2" name="Title 1">
+            <a:extLst>
+              <a:ext uri="{FF2B5EF4-FFF2-40B4-BE49-F238E27FC236}">
+                <a16:creationId xmlns:a16="http://schemas.microsoft.com/office/drawing/2014/main" id="{4FEAEF2D-0D6D-0F6E-90D4-A463BF231B1B}"/>
+              </a:ext>
+            </a:extLst>
+          </p:cNvPr>
+          <p:cNvSpPr>
+            <a:spLocks noGrp="1"/>
+          </p:cNvSpPr>
+          <p:nvPr>
+            <p:ph type="title"/>
+          </p:nvPr>
+        </p:nvSpPr>
+        <p:spPr/>
+        <p:txBody>
+          <a:bodyPr>
+            <a:normAutofit fontScale="90000"/>
+          </a:bodyPr>
+          <a:lstStyle/>
+          <a:p>
+            <a:r>
+              <a:rPr lang="en-US" dirty="0"/>
+              <a:t>Initial Findings:</a:t>
+            </a:r>
+          </a:p>
+        </p:txBody>
+      </p:sp>
+      <p:sp>
+        <p:nvSpPr>
+          <p:cNvPr id="3" name="Content Placeholder 2">
+            <a:extLst>
+              <a:ext uri="{FF2B5EF4-FFF2-40B4-BE49-F238E27FC236}">
+                <a16:creationId xmlns:a16="http://schemas.microsoft.com/office/drawing/2014/main" id="{1C803FDD-A6AC-A409-9C12-CC454BD02D0A}"/>
+              </a:ext>
+            </a:extLst>
+          </p:cNvPr>
+          <p:cNvSpPr>
+            <a:spLocks noGrp="1"/>
+          </p:cNvSpPr>
+          <p:nvPr>
+            <p:ph idx="1"/>
+          </p:nvPr>
+        </p:nvSpPr>
+        <p:spPr/>
+        <p:txBody>
+          <a:bodyPr/>
+          <a:lstStyle/>
+          <a:p>
+            <a:pPr marL="742950" indent="-742950">
+              <a:buFont typeface="+mj-lt"/>
+              <a:buAutoNum type="arabicPeriod" startAt="4"/>
+            </a:pPr>
+            <a:r>
+              <a:rPr lang="en-US" dirty="0"/>
+              <a:t>We have developed an initial classifier for “unusual” and interesting words.  This is can be improved as more data </a:t>
+            </a:r>
+            <a:r>
+              <a:rPr lang="en-US"/>
+              <a:t>is analyzed.</a:t>
+            </a:r>
+            <a:endParaRPr lang="en-US" dirty="0"/>
+          </a:p>
+          <a:p>
+            <a:pPr marL="742950" indent="-742950">
+              <a:buFont typeface="+mj-lt"/>
+              <a:buAutoNum type="arabicPeriod" startAt="4"/>
+            </a:pPr>
+            <a:endParaRPr lang="en-US" dirty="0"/>
+          </a:p>
+        </p:txBody>
+      </p:sp>
+      <p:sp>
+        <p:nvSpPr>
+          <p:cNvPr id="4" name="Footer Placeholder 3">
+            <a:extLst>
+              <a:ext uri="{FF2B5EF4-FFF2-40B4-BE49-F238E27FC236}">
+                <a16:creationId xmlns:a16="http://schemas.microsoft.com/office/drawing/2014/main" id="{B566E2B2-6C72-1679-E2FD-A97789E95206}"/>
+              </a:ext>
+            </a:extLst>
+          </p:cNvPr>
+          <p:cNvSpPr>
+            <a:spLocks noGrp="1"/>
+          </p:cNvSpPr>
+          <p:nvPr>
+            <p:ph type="ftr" sz="quarter" idx="11"/>
+          </p:nvPr>
+        </p:nvSpPr>
+        <p:spPr/>
+        <p:txBody>
+          <a:bodyPr/>
+          <a:lstStyle/>
+          <a:p>
+            <a:r>
+              <a:rPr lang="en-US"/>
+              <a:t>Copyright 2023 Thomas B. Kinsman</a:t>
+            </a:r>
+            <a:endParaRPr lang="en-US" dirty="0"/>
+          </a:p>
+        </p:txBody>
+      </p:sp>
+      <p:sp>
+        <p:nvSpPr>
+          <p:cNvPr id="5" name="Slide Number Placeholder 4">
+            <a:extLst>
+              <a:ext uri="{FF2B5EF4-FFF2-40B4-BE49-F238E27FC236}">
+                <a16:creationId xmlns:a16="http://schemas.microsoft.com/office/drawing/2014/main" id="{367C9FA0-5305-EAA6-3E01-C0472D3A3EFF}"/>
+              </a:ext>
+            </a:extLst>
+          </p:cNvPr>
+          <p:cNvSpPr>
+            <a:spLocks noGrp="1"/>
+          </p:cNvSpPr>
+          <p:nvPr>
+            <p:ph type="sldNum" sz="quarter" idx="12"/>
+          </p:nvPr>
+        </p:nvSpPr>
+        <p:spPr/>
+        <p:txBody>
+          <a:bodyPr/>
+          <a:lstStyle/>
+          <a:p>
+            <a:fld id="{3917AFD4-4D5B-3349-87D8-45B09FE3E7A5}" type="slidenum">
+              <a:rPr lang="en-US" smtClean="0"/>
+              <a:t>8</a:t>
+            </a:fld>
+            <a:endParaRPr lang="en-US"/>
+          </a:p>
+        </p:txBody>
+      </p:sp>
+    </p:spTree>
+    <p:extLst>
+      <p:ext uri="{BB962C8B-B14F-4D97-AF65-F5344CB8AC3E}">
+        <p14:creationId xmlns:p14="http://schemas.microsoft.com/office/powerpoint/2010/main" val="711864017"/>
+      </p:ext>
+    </p:extLst>
+  </p:cSld>
+  <p:clrMapOvr>
+    <a:masterClrMapping/>
+  </p:clrMapOvr>
+</p:sld>
+</file>
+
+<file path=ppt/slides/slide9.xml><?xml version="1.0" encoding="utf-8"?>
+<p:sld xmlns:a="http://schemas.openxmlformats.org/drawingml/2006/main" xmlns:r="http://schemas.openxmlformats.org/officeDocument/2006/relationships" xmlns:p="http://schemas.openxmlformats.org/presentationml/2006/main">
+  <p:cSld>
+    <p:spTree>
+      <p:nvGrpSpPr>
+        <p:cNvPr id="1" name=""/>
+        <p:cNvGrpSpPr/>
+        <p:nvPr/>
+      </p:nvGrpSpPr>
+      <p:grpSpPr>
+        <a:xfrm>
+          <a:off x="0" y="0"/>
+          <a:ext cx="0" cy="0"/>
+          <a:chOff x="0" y="0"/>
+          <a:chExt cx="0" cy="0"/>
+        </a:xfrm>
+      </p:grpSpPr>
+      <p:sp>
+        <p:nvSpPr>
+          <p:cNvPr id="2" name="Title 1">
+            <a:extLst>
+              <a:ext uri="{FF2B5EF4-FFF2-40B4-BE49-F238E27FC236}">
+                <a16:creationId xmlns:a16="http://schemas.microsoft.com/office/drawing/2014/main" id="{B0CAD7F3-74D2-1CAB-279B-9156CCA7E23C}"/>
+              </a:ext>
+            </a:extLst>
+          </p:cNvPr>
+          <p:cNvSpPr>
+            <a:spLocks noGrp="1"/>
+          </p:cNvSpPr>
+          <p:nvPr>
+            <p:ph type="title"/>
+          </p:nvPr>
+        </p:nvSpPr>
+        <p:spPr>
+          <a:xfrm>
+            <a:off x="640080" y="329565"/>
+            <a:ext cx="11521440" cy="701793"/>
+          </a:xfrm>
+        </p:spPr>
+        <p:txBody>
+          <a:bodyPr>
+            <a:normAutofit fontScale="90000"/>
+          </a:bodyPr>
+          <a:lstStyle/>
+          <a:p>
+            <a:endParaRPr lang="en-US" dirty="0"/>
+          </a:p>
+        </p:txBody>
+      </p:sp>
+      <p:sp>
+        <p:nvSpPr>
+          <p:cNvPr id="3" name="Content Placeholder 2">
+            <a:extLst>
+              <a:ext uri="{FF2B5EF4-FFF2-40B4-BE49-F238E27FC236}">
+                <a16:creationId xmlns:a16="http://schemas.microsoft.com/office/drawing/2014/main" id="{636CDD01-9D3D-DE59-68C3-C2CBB8CEE069}"/>
+              </a:ext>
+            </a:extLst>
+          </p:cNvPr>
+          <p:cNvSpPr>
+            <a:spLocks noGrp="1"/>
+          </p:cNvSpPr>
+          <p:nvPr>
+            <p:ph idx="1"/>
+          </p:nvPr>
+        </p:nvSpPr>
+        <p:spPr/>
+        <p:txBody>
+          <a:bodyPr/>
+          <a:lstStyle/>
+          <a:p>
+            <a:endParaRPr lang="en-US"/>
+          </a:p>
+        </p:txBody>
+      </p:sp>
+      <p:sp>
+        <p:nvSpPr>
+          <p:cNvPr id="4" name="Footer Placeholder 3">
+            <a:extLst>
+              <a:ext uri="{FF2B5EF4-FFF2-40B4-BE49-F238E27FC236}">
+                <a16:creationId xmlns:a16="http://schemas.microsoft.com/office/drawing/2014/main" id="{1EA8EFEB-5601-FB0F-9A50-00711F8F0918}"/>
+              </a:ext>
+            </a:extLst>
+          </p:cNvPr>
+          <p:cNvSpPr>
+            <a:spLocks noGrp="1"/>
+          </p:cNvSpPr>
+          <p:nvPr>
+            <p:ph type="ftr" sz="quarter" idx="11"/>
+          </p:nvPr>
+        </p:nvSpPr>
+        <p:spPr/>
+        <p:txBody>
+          <a:bodyPr/>
+          <a:lstStyle/>
+          <a:p>
+            <a:r>
+              <a:rPr lang="en-US"/>
+              <a:t>Copyright 2023 Thomas B. Kinsman</a:t>
+            </a:r>
+            <a:endParaRPr lang="en-US" dirty="0"/>
+          </a:p>
+        </p:txBody>
+      </p:sp>
+      <p:sp>
+        <p:nvSpPr>
+          <p:cNvPr id="5" name="Slide Number Placeholder 4">
+            <a:extLst>
+              <a:ext uri="{FF2B5EF4-FFF2-40B4-BE49-F238E27FC236}">
+                <a16:creationId xmlns:a16="http://schemas.microsoft.com/office/drawing/2014/main" id="{F670FBF3-33B6-D25C-4E9D-4C57E0566990}"/>
+              </a:ext>
+            </a:extLst>
+          </p:cNvPr>
+          <p:cNvSpPr>
+            <a:spLocks noGrp="1"/>
+          </p:cNvSpPr>
+          <p:nvPr>
+            <p:ph type="sldNum" sz="quarter" idx="12"/>
+          </p:nvPr>
+        </p:nvSpPr>
+        <p:spPr/>
+        <p:txBody>
+          <a:bodyPr/>
+          <a:lstStyle/>
+          <a:p>
+            <a:fld id="{3917AFD4-4D5B-3349-87D8-45B09FE3E7A5}" type="slidenum">
+              <a:rPr lang="en-US" smtClean="0"/>
+              <a:t>9</a:t>
+            </a:fld>
+            <a:endParaRPr lang="en-US"/>
+          </a:p>
+        </p:txBody>
+      </p:sp>
+    </p:spTree>
+    <p:extLst>
+      <p:ext uri="{BB962C8B-B14F-4D97-AF65-F5344CB8AC3E}">
+        <p14:creationId xmlns:p14="http://schemas.microsoft.com/office/powerpoint/2010/main" val="1837265362"/>
       </p:ext>
     </p:extLst>
   </p:cSld>
